--- a/slides-aulas/intro.pptx
+++ b/slides-aulas/intro.pptx
@@ -227,7 +227,7 @@
           <a:p>
             <a:fld id="{5AFC0500-03BF-45DD-AB94-8C97C23646F6}" type="datetimeFigureOut">
               <a:rPr lang="en-US" smtClean="0"/>
-              <a:t>3/16/2015</a:t>
+              <a:t>20-Mar-17</a:t>
             </a:fld>
             <a:endParaRPr lang="en-US"/>
           </a:p>
@@ -1204,7 +1204,7 @@
           <a:p>
             <a:fld id="{DCBEB406-9034-4CB4-9362-B1754E672AD3}" type="datetimeFigureOut">
               <a:rPr lang="en-US" smtClean="0"/>
-              <a:t>3/16/2015</a:t>
+              <a:t>20-Mar-17</a:t>
             </a:fld>
             <a:endParaRPr lang="en-US"/>
           </a:p>
@@ -1374,7 +1374,7 @@
           <a:p>
             <a:fld id="{DCBEB406-9034-4CB4-9362-B1754E672AD3}" type="datetimeFigureOut">
               <a:rPr lang="en-US" smtClean="0"/>
-              <a:t>3/16/2015</a:t>
+              <a:t>20-Mar-17</a:t>
             </a:fld>
             <a:endParaRPr lang="en-US"/>
           </a:p>
@@ -1554,7 +1554,7 @@
           <a:p>
             <a:fld id="{DCBEB406-9034-4CB4-9362-B1754E672AD3}" type="datetimeFigureOut">
               <a:rPr lang="en-US" smtClean="0"/>
-              <a:t>3/16/2015</a:t>
+              <a:t>20-Mar-17</a:t>
             </a:fld>
             <a:endParaRPr lang="en-US"/>
           </a:p>
@@ -1724,7 +1724,7 @@
           <a:p>
             <a:fld id="{DCBEB406-9034-4CB4-9362-B1754E672AD3}" type="datetimeFigureOut">
               <a:rPr lang="en-US" smtClean="0"/>
-              <a:t>3/16/2015</a:t>
+              <a:t>20-Mar-17</a:t>
             </a:fld>
             <a:endParaRPr lang="en-US"/>
           </a:p>
@@ -1970,7 +1970,7 @@
           <a:p>
             <a:fld id="{DCBEB406-9034-4CB4-9362-B1754E672AD3}" type="datetimeFigureOut">
               <a:rPr lang="en-US" smtClean="0"/>
-              <a:t>3/16/2015</a:t>
+              <a:t>20-Mar-17</a:t>
             </a:fld>
             <a:endParaRPr lang="en-US"/>
           </a:p>
@@ -2258,7 +2258,7 @@
           <a:p>
             <a:fld id="{DCBEB406-9034-4CB4-9362-B1754E672AD3}" type="datetimeFigureOut">
               <a:rPr lang="en-US" smtClean="0"/>
-              <a:t>3/16/2015</a:t>
+              <a:t>20-Mar-17</a:t>
             </a:fld>
             <a:endParaRPr lang="en-US"/>
           </a:p>
@@ -2680,7 +2680,7 @@
           <a:p>
             <a:fld id="{DCBEB406-9034-4CB4-9362-B1754E672AD3}" type="datetimeFigureOut">
               <a:rPr lang="en-US" smtClean="0"/>
-              <a:t>3/16/2015</a:t>
+              <a:t>20-Mar-17</a:t>
             </a:fld>
             <a:endParaRPr lang="en-US"/>
           </a:p>
@@ -2798,7 +2798,7 @@
           <a:p>
             <a:fld id="{DCBEB406-9034-4CB4-9362-B1754E672AD3}" type="datetimeFigureOut">
               <a:rPr lang="en-US" smtClean="0"/>
-              <a:t>3/16/2015</a:t>
+              <a:t>20-Mar-17</a:t>
             </a:fld>
             <a:endParaRPr lang="en-US"/>
           </a:p>
@@ -2893,7 +2893,7 @@
           <a:p>
             <a:fld id="{DCBEB406-9034-4CB4-9362-B1754E672AD3}" type="datetimeFigureOut">
               <a:rPr lang="en-US" smtClean="0"/>
-              <a:t>3/16/2015</a:t>
+              <a:t>20-Mar-17</a:t>
             </a:fld>
             <a:endParaRPr lang="en-US"/>
           </a:p>
@@ -3170,7 +3170,7 @@
           <a:p>
             <a:fld id="{DCBEB406-9034-4CB4-9362-B1754E672AD3}" type="datetimeFigureOut">
               <a:rPr lang="en-US" smtClean="0"/>
-              <a:t>3/16/2015</a:t>
+              <a:t>20-Mar-17</a:t>
             </a:fld>
             <a:endParaRPr lang="en-US"/>
           </a:p>
@@ -3423,7 +3423,7 @@
           <a:p>
             <a:fld id="{DCBEB406-9034-4CB4-9362-B1754E672AD3}" type="datetimeFigureOut">
               <a:rPr lang="en-US" smtClean="0"/>
-              <a:t>3/16/2015</a:t>
+              <a:t>20-Mar-17</a:t>
             </a:fld>
             <a:endParaRPr lang="en-US"/>
           </a:p>
@@ -3636,7 +3636,7 @@
           <a:p>
             <a:fld id="{DCBEB406-9034-4CB4-9362-B1754E672AD3}" type="datetimeFigureOut">
               <a:rPr lang="en-US" smtClean="0"/>
-              <a:t>3/16/2015</a:t>
+              <a:t>20-Mar-17</a:t>
             </a:fld>
             <a:endParaRPr lang="en-US"/>
           </a:p>
@@ -4013,76 +4013,92 @@
       </p:grpSpPr>
       <p:sp>
         <p:nvSpPr>
+          <p:cNvPr id="2" name="Title 1"/>
+          <p:cNvSpPr>
+            <a:spLocks noGrp="1"/>
+          </p:cNvSpPr>
+          <p:nvPr>
+            <p:ph type="title"/>
+          </p:nvPr>
+        </p:nvSpPr>
+        <p:spPr/>
+        <p:txBody>
+          <a:bodyPr>
+            <a:normAutofit/>
+          </a:bodyPr>
+          <a:lstStyle/>
+          <a:p>
+            <a:r>
+              <a:rPr lang="pt-BR" dirty="0" smtClean="0"/>
+              <a:t>Compiladores -- Introdução</a:t>
+            </a:r>
+            <a:br>
+              <a:rPr lang="pt-BR" dirty="0" smtClean="0"/>
+            </a:br>
+            <a:endParaRPr lang="pt-BR" dirty="0"/>
+          </a:p>
+        </p:txBody>
+      </p:sp>
+      <p:sp>
+        <p:nvSpPr>
           <p:cNvPr id="3" name="Subtitle 2"/>
           <p:cNvSpPr>
             <a:spLocks noGrp="1"/>
           </p:cNvSpPr>
           <p:nvPr>
-            <p:ph type="subTitle" idx="1"/>
+            <p:ph type="body" idx="1"/>
           </p:nvPr>
         </p:nvSpPr>
-        <p:spPr>
-          <a:xfrm>
-            <a:off x="1428728" y="4786322"/>
-            <a:ext cx="6400800" cy="685808"/>
-          </a:xfrm>
-        </p:spPr>
+        <p:spPr/>
         <p:txBody>
           <a:bodyPr/>
           <a:lstStyle/>
           <a:p>
             <a:r>
-              <a:rPr lang="pt-BR" dirty="0" smtClean="0"/>
-              <a:t>Marcelo d’Amorim</a:t>
-            </a:r>
-          </a:p>
-        </p:txBody>
-      </p:sp>
-      <p:sp>
-        <p:nvSpPr>
-          <p:cNvPr id="2" name="Title 1"/>
-          <p:cNvSpPr>
-            <a:spLocks noGrp="1"/>
-          </p:cNvSpPr>
-          <p:nvPr>
-            <p:ph type="ctrTitle"/>
-          </p:nvPr>
-        </p:nvSpPr>
-        <p:spPr>
-          <a:xfrm>
-            <a:off x="685800" y="1428737"/>
-            <a:ext cx="7772400" cy="2171714"/>
-          </a:xfrm>
-        </p:spPr>
-        <p:txBody>
-          <a:bodyPr>
-            <a:normAutofit fontScale="90000"/>
-          </a:bodyPr>
-          <a:lstStyle/>
-          <a:p>
-            <a:r>
-              <a:rPr lang="pt-BR" sz="6700" dirty="0" smtClean="0"/>
-              <a:t>Compiladores </a:t>
-            </a:r>
-            <a:r>
-              <a:rPr lang="pt-BR" dirty="0" smtClean="0"/>
-              <a:t/>
-            </a:r>
-            <a:br>
-              <a:rPr lang="pt-BR" dirty="0" smtClean="0"/>
-            </a:br>
-            <a:r>
-              <a:rPr lang="pt-BR" dirty="0" smtClean="0"/>
-              <a:t>Introdução</a:t>
-            </a:r>
-            <a:r>
-              <a:rPr lang="pt-BR" dirty="0" smtClean="0"/>
-              <a:t/>
-            </a:r>
-            <a:br>
-              <a:rPr lang="pt-BR" dirty="0" smtClean="0"/>
-            </a:br>
-            <a:endParaRPr lang="pt-BR" dirty="0"/>
+              <a:rPr lang="en-US" dirty="0"/>
+              <a:t>IF688 – </a:t>
+            </a:r>
+            <a:r>
+              <a:rPr lang="en-US" dirty="0" err="1"/>
+              <a:t>Teria</a:t>
+            </a:r>
+            <a:r>
+              <a:rPr lang="en-US" dirty="0"/>
+              <a:t> e </a:t>
+            </a:r>
+            <a:r>
+              <a:rPr lang="en-US" dirty="0" err="1"/>
+              <a:t>Implementação</a:t>
+            </a:r>
+            <a:r>
+              <a:rPr lang="en-US" dirty="0"/>
+              <a:t> de </a:t>
+            </a:r>
+            <a:r>
+              <a:rPr lang="en-US" dirty="0" err="1"/>
+              <a:t>Linguagens</a:t>
+            </a:r>
+            <a:r>
+              <a:rPr lang="en-US" dirty="0"/>
+              <a:t> </a:t>
+            </a:r>
+            <a:r>
+              <a:rPr lang="en-US" dirty="0" err="1"/>
+              <a:t>Computacionais</a:t>
+            </a:r>
+            <a:r>
+              <a:rPr lang="en-US" dirty="0"/>
+              <a:t> (</a:t>
+            </a:r>
+            <a:r>
+              <a:rPr lang="en-US" dirty="0" err="1"/>
+              <a:t>Compiladores</a:t>
+            </a:r>
+            <a:r>
+              <a:rPr lang="en-US" dirty="0"/>
+              <a:t>)</a:t>
+            </a:r>
+            <a:endParaRPr lang="en-US" dirty="0"/>
           </a:p>
         </p:txBody>
       </p:sp>
@@ -17814,13 +17830,8 @@
           <a:p>
             <a:r>
               <a:rPr lang="pt-BR" dirty="0" smtClean="0"/>
-              <a:t>Tradutor de uma linguagem mais abstrata (origem) para uma mais concreta (destino</a:t>
-            </a:r>
-            <a:r>
-              <a:rPr lang="pt-BR" dirty="0" smtClean="0"/>
-              <a:t>)  </a:t>
-            </a:r>
-            <a:endParaRPr lang="pt-BR" dirty="0" smtClean="0"/>
+              <a:t>Tradutor de uma linguagem mais abstrata (origem) para uma mais concreta (destino)  </a:t>
+            </a:r>
           </a:p>
         </p:txBody>
       </p:sp>
@@ -19791,6 +19802,13 @@
   <p:clrMapOvr>
     <a:masterClrMapping/>
   </p:clrMapOvr>
+  <p:timing>
+    <p:tnLst>
+      <p:par>
+        <p:cTn id="1" dur="indefinite" restart="never" nodeType="tmRoot"/>
+      </p:par>
+    </p:tnLst>
+  </p:timing>
 </p:sld>
 </file>
 
@@ -21450,13 +21468,8 @@
           <a:p>
             <a:r>
               <a:rPr lang="pt-BR" dirty="0" smtClean="0"/>
-              <a:t>Tradução termina </a:t>
-            </a:r>
-            <a:r>
-              <a:rPr lang="pt-BR" dirty="0" smtClean="0"/>
-              <a:t>no hardware</a:t>
-            </a:r>
-            <a:endParaRPr lang="pt-BR" dirty="0" smtClean="0"/>
+              <a:t>Tradução termina no hardware</a:t>
+            </a:r>
           </a:p>
           <a:p>
             <a:pPr lvl="1"/>
@@ -21899,17 +21912,8 @@
             <a:pPr lvl="1"/>
             <a:r>
               <a:rPr lang="pt-BR" dirty="0" smtClean="0"/>
-              <a:t>Checar </a:t>
-            </a:r>
-            <a:r>
-              <a:rPr lang="pt-BR" dirty="0" smtClean="0"/>
-              <a:t>certos tipos de </a:t>
-            </a:r>
-            <a:r>
-              <a:rPr lang="pt-BR" dirty="0" smtClean="0"/>
-              <a:t>erros automaticamente</a:t>
-            </a:r>
-            <a:endParaRPr lang="pt-BR" dirty="0" smtClean="0"/>
+              <a:t>Checar certos tipos de erros automaticamente</a:t>
+            </a:r>
           </a:p>
           <a:p>
             <a:pPr lvl="1"/>
@@ -22032,26 +22036,17 @@
               <a:rPr lang="pt-BR" dirty="0" smtClean="0">
                 <a:ea typeface="ＭＳ Ｐゴシック" pitchFamily="34" charset="-128"/>
               </a:rPr>
-              <a:t>Hoje, compiladores podem ser desenvolvidos com bem mais </a:t>
-            </a:r>
+              <a:t>Hoje, compiladores podem ser desenvolvidos com bem mais facilidade</a:t>
+            </a:r>
+          </a:p>
+          <a:p>
+            <a:pPr lvl="1"/>
             <a:r>
               <a:rPr lang="pt-BR" dirty="0" smtClean="0">
                 <a:ea typeface="ＭＳ Ｐゴシック" pitchFamily="34" charset="-128"/>
               </a:rPr>
-              <a:t>facilidade</a:t>
-            </a:r>
-          </a:p>
-          <a:p>
-            <a:pPr lvl="1"/>
-            <a:r>
-              <a:rPr lang="pt-BR" dirty="0" smtClean="0">
-                <a:ea typeface="ＭＳ Ｐゴシック" pitchFamily="34" charset="-128"/>
-              </a:rPr>
               <a:t>Geradores de código disponíveis</a:t>
             </a:r>
-            <a:endParaRPr lang="pt-BR" dirty="0" smtClean="0">
-              <a:ea typeface="ＭＳ Ｐゴシック" pitchFamily="34" charset="-128"/>
-            </a:endParaRPr>
           </a:p>
         </p:txBody>
       </p:sp>
@@ -23370,6 +23365,39 @@
           </a:p>
         </p:txBody>
       </p:sp>
+      <p:cxnSp>
+        <p:nvCxnSpPr>
+          <p:cNvPr id="39" name="Straight Arrow Connector 6"/>
+          <p:cNvCxnSpPr/>
+          <p:nvPr/>
+        </p:nvCxnSpPr>
+        <p:spPr>
+          <a:xfrm>
+            <a:off x="1074001" y="6057699"/>
+            <a:ext cx="857256" cy="1588"/>
+          </a:xfrm>
+          <a:prstGeom prst="straightConnector1">
+            <a:avLst/>
+          </a:prstGeom>
+          <a:ln>
+            <a:tailEnd type="arrow"/>
+          </a:ln>
+        </p:spPr>
+        <p:style>
+          <a:lnRef idx="2">
+            <a:schemeClr val="dk1"/>
+          </a:lnRef>
+          <a:fillRef idx="1">
+            <a:schemeClr val="lt1"/>
+          </a:fillRef>
+          <a:effectRef idx="0">
+            <a:schemeClr val="dk1"/>
+          </a:effectRef>
+          <a:fontRef idx="minor">
+            <a:schemeClr val="dk1"/>
+          </a:fontRef>
+        </p:style>
+      </p:cxnSp>
     </p:spTree>
     <p:extLst>
       <p:ext uri="{BB962C8B-B14F-4D97-AF65-F5344CB8AC3E}">

--- a/slides-aulas/intro.pptx
+++ b/slides-aulas/intro.pptx
@@ -4026,7 +4026,7 @@
                 </a:solidFill>
                 <a:latin typeface="Calibri"/>
               </a:rPr>
-              <a:t>8/20/2018</a:t>
+              <a:t>2/25/2019</a:t>
             </a:fld>
             <a:endParaRPr lang="en-US" sz="1200" b="0" strike="noStrike" spc="-1">
               <a:latin typeface="Times New Roman"/>
@@ -4375,7 +4375,7 @@
                 </a:solidFill>
                 <a:latin typeface="Calibri"/>
               </a:rPr>
-              <a:t>8/20/2018</a:t>
+              <a:t>2/25/2019</a:t>
             </a:fld>
             <a:endParaRPr lang="en-US" sz="1200" b="0" strike="noStrike" spc="-1">
               <a:latin typeface="Times New Roman"/>
@@ -4518,7 +4518,7 @@
         </p:spPr>
         <p:txBody>
           <a:bodyPr>
-            <a:normAutofit/>
+            <a:normAutofit fontScale="92500" lnSpcReduction="10000"/>
           </a:bodyPr>
           <a:lstStyle/>
           <a:p>
@@ -4528,25 +4528,68 @@
               </a:lnSpc>
             </a:pPr>
             <a:r>
-              <a:rPr lang="en-US" sz="4000" b="1" strike="noStrike" cap="all" spc="-1">
-                <a:solidFill>
-                  <a:srgbClr val="000000"/>
-                </a:solidFill>
-                <a:latin typeface="Calibri"/>
-              </a:rPr>
-              <a:t>Compiladores -- Introdução</a:t>
-            </a:r>
-            <a:r>
-              <a:t/>
-            </a:r>
-            <a:br/>
-            <a:endParaRPr lang="en-US" sz="4000" b="0" strike="noStrike" spc="-1">
+              <a:rPr lang="en-US" sz="4000" b="1" strike="noStrike" cap="all" spc="-1" dirty="0" err="1">
+                <a:solidFill>
+                  <a:srgbClr val="000000"/>
+                </a:solidFill>
+                <a:latin typeface="Calibri"/>
+              </a:rPr>
+              <a:t>Compiladores</a:t>
+            </a:r>
+            <a:r>
+              <a:rPr lang="en-US" sz="4000" b="1" strike="noStrike" cap="all" spc="-1" dirty="0">
+                <a:solidFill>
+                  <a:srgbClr val="000000"/>
+                </a:solidFill>
+                <a:latin typeface="Calibri"/>
+              </a:rPr>
+              <a:t> </a:t>
+            </a:r>
+            <a:r>
+              <a:rPr lang="en-US" sz="4000" b="1" strike="noStrike" cap="all" spc="-1" dirty="0" smtClean="0">
+                <a:solidFill>
+                  <a:srgbClr val="000000"/>
+                </a:solidFill>
+                <a:latin typeface="Calibri"/>
+              </a:rPr>
+              <a:t>– </a:t>
+            </a:r>
+            <a:r>
+              <a:rPr lang="en-US" sz="4000" b="1" strike="noStrike" cap="all" spc="-1" dirty="0" err="1" smtClean="0">
+                <a:solidFill>
+                  <a:srgbClr val="000000"/>
+                </a:solidFill>
+                <a:latin typeface="Calibri"/>
+              </a:rPr>
+              <a:t>Introdução</a:t>
+            </a:r>
+            <a:endParaRPr lang="en-US" sz="4000" b="1" strike="noStrike" cap="all" spc="-1" dirty="0" smtClean="0">
               <a:solidFill>
                 <a:srgbClr val="000000"/>
               </a:solidFill>
               <a:latin typeface="Calibri"/>
             </a:endParaRPr>
           </a:p>
+          <a:p>
+            <a:pPr>
+              <a:lnSpc>
+                <a:spcPct val="100000"/>
+              </a:lnSpc>
+            </a:pPr>
+            <a:r>
+              <a:rPr dirty="0"/>
+              <a:t/>
+            </a:r>
+            <a:br>
+              <a:rPr dirty="0"/>
+            </a:br>
+            <a:endParaRPr lang="en-US" sz="4000" b="0" strike="noStrike" spc="-1" dirty="0">
+              <a:solidFill>
+                <a:srgbClr val="000000"/>
+              </a:solidFill>
+              <a:latin typeface="Calibri"/>
+            </a:endParaRPr>
+          </a:p>
         </p:txBody>
       </p:sp>
       <p:sp>
@@ -4581,18 +4624,54 @@
               </a:spcBef>
             </a:pPr>
             <a:r>
-              <a:rPr lang="en-US" sz="2000" b="0" strike="noStrike" spc="-1">
-                <a:solidFill>
-                  <a:srgbClr val="8B8B8B"/>
-                </a:solidFill>
-                <a:latin typeface="Calibri"/>
-              </a:rPr>
-              <a:t>IF688 – Teoria e Implementação de Linguagens Computacionais (Compiladores)</a:t>
-            </a:r>
-            <a:endParaRPr lang="en-US" sz="2000" b="0" strike="noStrike" spc="-1">
-              <a:solidFill>
-                <a:srgbClr val="000000"/>
-              </a:solidFill>
+              <a:rPr lang="en-US" sz="2000" b="0" strike="noStrike" spc="-1" dirty="0">
+                <a:latin typeface="Calibri"/>
+              </a:rPr>
+              <a:t>IF688 – </a:t>
+            </a:r>
+            <a:r>
+              <a:rPr lang="en-US" sz="2000" b="0" strike="noStrike" spc="-1" dirty="0" err="1">
+                <a:latin typeface="Calibri"/>
+              </a:rPr>
+              <a:t>Teoria</a:t>
+            </a:r>
+            <a:r>
+              <a:rPr lang="en-US" sz="2000" b="0" strike="noStrike" spc="-1" dirty="0">
+                <a:latin typeface="Calibri"/>
+              </a:rPr>
+              <a:t> e </a:t>
+            </a:r>
+            <a:r>
+              <a:rPr lang="en-US" sz="2000" b="0" strike="noStrike" spc="-1" dirty="0" err="1">
+                <a:latin typeface="Calibri"/>
+              </a:rPr>
+              <a:t>Implementação</a:t>
+            </a:r>
+            <a:r>
+              <a:rPr lang="en-US" sz="2000" b="0" strike="noStrike" spc="-1" dirty="0">
+                <a:latin typeface="Calibri"/>
+              </a:rPr>
+              <a:t> de </a:t>
+            </a:r>
+            <a:r>
+              <a:rPr lang="en-US" sz="2000" b="0" strike="noStrike" spc="-1" dirty="0" err="1">
+                <a:latin typeface="Calibri"/>
+              </a:rPr>
+              <a:t>Linguagens</a:t>
+            </a:r>
+            <a:r>
+              <a:rPr lang="en-US" sz="2000" b="0" strike="noStrike" spc="-1" dirty="0">
+                <a:latin typeface="Calibri"/>
+              </a:rPr>
+              <a:t> </a:t>
+            </a:r>
+            <a:r>
+              <a:rPr lang="en-US" sz="2000" b="0" strike="noStrike" spc="-1" dirty="0" err="1" smtClean="0">
+                <a:latin typeface="Calibri"/>
+              </a:rPr>
+              <a:t>Computacionais</a:t>
+            </a:r>
+            <a:endParaRPr lang="en-US" sz="2000" b="0" strike="noStrike" spc="-1" dirty="0" smtClean="0">
               <a:latin typeface="Calibri"/>
             </a:endParaRPr>
           </a:p>
@@ -4629,6 +4708,64 @@
           </a:effectRef>
           <a:fontRef idx="minor"/>
         </p:style>
+      </p:sp>
+      <p:sp>
+        <p:nvSpPr>
+          <p:cNvPr id="5" name="TextShape 2"/>
+          <p:cNvSpPr txBox="1"/>
+          <p:nvPr/>
+        </p:nvSpPr>
+        <p:spPr>
+          <a:xfrm>
+            <a:off x="760400" y="5013176"/>
+            <a:ext cx="7772040" cy="1499760"/>
+          </a:xfrm>
+          <a:prstGeom prst="rect">
+            <a:avLst/>
+          </a:prstGeom>
+          <a:noFill/>
+          <a:ln>
+            <a:noFill/>
+          </a:ln>
+        </p:spPr>
+        <p:txBody>
+          <a:bodyPr anchor="b"/>
+          <a:lstStyle/>
+          <a:p>
+            <a:pPr>
+              <a:lnSpc>
+                <a:spcPct val="100000"/>
+              </a:lnSpc>
+              <a:spcBef>
+                <a:spcPts val="400"/>
+              </a:spcBef>
+            </a:pPr>
+            <a:r>
+              <a:rPr lang="en-US" sz="2000" spc="-1" dirty="0" smtClean="0">
+                <a:solidFill>
+                  <a:srgbClr val="000000"/>
+                </a:solidFill>
+                <a:latin typeface="Calibri"/>
+              </a:rPr>
+              <a:t>Marcelo </a:t>
+            </a:r>
+            <a:r>
+              <a:rPr lang="en-US" sz="2000" spc="-1" dirty="0" err="1" smtClean="0">
+                <a:solidFill>
+                  <a:srgbClr val="000000"/>
+                </a:solidFill>
+                <a:latin typeface="Calibri"/>
+              </a:rPr>
+              <a:t>d’Amorim</a:t>
+            </a:r>
+            <a:endParaRPr lang="en-US" sz="2000" spc="-1" dirty="0" smtClean="0">
+              <a:solidFill>
+                <a:srgbClr val="8B8B8B"/>
+              </a:solidFill>
+              <a:latin typeface="Calibri"/>
+            </a:endParaRPr>
+          </a:p>
+        </p:txBody>
       </p:sp>
     </p:spTree>
   </p:cSld>
@@ -10276,7 +10413,7 @@
               <a:buChar char="•"/>
             </a:pPr>
             <a:r>
-              <a:rPr lang="en-US" sz="3200" b="0" strike="noStrike" spc="-1">
+              <a:rPr lang="en-US" sz="3200" b="0" strike="noStrike" spc="-1" dirty="0" err="1" smtClean="0">
                 <a:solidFill>
                   <a:srgbClr val="000000"/>
                 </a:solidFill>
@@ -10284,6 +10421,12 @@
               </a:rPr>
               <a:t>Requisitos</a:t>
             </a:r>
+            <a:endParaRPr lang="en-US" sz="3200" b="0" strike="noStrike" spc="-1" dirty="0">
+              <a:solidFill>
+                <a:srgbClr val="000000"/>
+              </a:solidFill>
+              <a:latin typeface="Calibri"/>
+            </a:endParaRPr>
           </a:p>
           <a:p>
             <a:pPr marL="743040" lvl="1" indent="-285480">
@@ -10300,13 +10443,40 @@
               <a:buChar char="–"/>
             </a:pPr>
             <a:r>
-              <a:rPr lang="en-US" sz="2800" b="0" strike="noStrike" spc="-1">
-                <a:solidFill>
-                  <a:srgbClr val="000000"/>
-                </a:solidFill>
-                <a:latin typeface="Calibri"/>
-              </a:rPr>
-              <a:t>Linguagem de programação </a:t>
+              <a:rPr lang="en-US" sz="2800" b="0" strike="noStrike" spc="-1" dirty="0" err="1">
+                <a:solidFill>
+                  <a:srgbClr val="000000"/>
+                </a:solidFill>
+                <a:latin typeface="Calibri"/>
+              </a:rPr>
+              <a:t>Linguagem</a:t>
+            </a:r>
+            <a:r>
+              <a:rPr lang="en-US" sz="2800" b="0" strike="noStrike" spc="-1" dirty="0">
+                <a:solidFill>
+                  <a:srgbClr val="000000"/>
+                </a:solidFill>
+                <a:latin typeface="Calibri"/>
+              </a:rPr>
+              <a:t> de </a:t>
+            </a:r>
+            <a:r>
+              <a:rPr lang="en-US" sz="2800" b="0" strike="noStrike" spc="-1" dirty="0" err="1">
+                <a:solidFill>
+                  <a:srgbClr val="000000"/>
+                </a:solidFill>
+                <a:latin typeface="Calibri"/>
+              </a:rPr>
+              <a:t>programação</a:t>
+            </a:r>
+            <a:r>
+              <a:rPr lang="en-US" sz="2800" b="0" strike="noStrike" spc="-1" dirty="0">
+                <a:solidFill>
+                  <a:srgbClr val="000000"/>
+                </a:solidFill>
+                <a:latin typeface="Calibri"/>
+              </a:rPr>
+              <a:t> </a:t>
             </a:r>
           </a:p>
           <a:p>
@@ -10324,13 +10494,58 @@
               <a:buChar char="–"/>
             </a:pPr>
             <a:r>
-              <a:rPr lang="en-US" sz="2800" b="0" strike="noStrike" spc="-1">
-                <a:solidFill>
-                  <a:srgbClr val="000000"/>
-                </a:solidFill>
-                <a:latin typeface="Calibri"/>
-              </a:rPr>
-              <a:t>Linguagens formais e autômatos </a:t>
+              <a:rPr lang="en-US" sz="2800" b="0" strike="noStrike" spc="-1" dirty="0" err="1">
+                <a:solidFill>
+                  <a:srgbClr val="000000"/>
+                </a:solidFill>
+                <a:latin typeface="Calibri"/>
+              </a:rPr>
+              <a:t>Linguagens</a:t>
+            </a:r>
+            <a:r>
+              <a:rPr lang="en-US" sz="2800" b="0" strike="noStrike" spc="-1" dirty="0">
+                <a:solidFill>
+                  <a:srgbClr val="000000"/>
+                </a:solidFill>
+                <a:latin typeface="Calibri"/>
+              </a:rPr>
+              <a:t> </a:t>
+            </a:r>
+            <a:r>
+              <a:rPr lang="en-US" sz="2800" b="0" strike="noStrike" spc="-1" dirty="0" err="1">
+                <a:solidFill>
+                  <a:srgbClr val="000000"/>
+                </a:solidFill>
+                <a:latin typeface="Calibri"/>
+              </a:rPr>
+              <a:t>formais</a:t>
+            </a:r>
+            <a:r>
+              <a:rPr lang="en-US" sz="2800" b="0" strike="noStrike" spc="-1" dirty="0">
+                <a:solidFill>
+                  <a:srgbClr val="000000"/>
+                </a:solidFill>
+                <a:latin typeface="Calibri"/>
+              </a:rPr>
+              <a:t> e </a:t>
+            </a:r>
+            <a:r>
+              <a:rPr lang="en-US" sz="2800" b="0" strike="noStrike" spc="-1" dirty="0" err="1">
+                <a:solidFill>
+                  <a:srgbClr val="000000"/>
+                </a:solidFill>
+                <a:latin typeface="Calibri"/>
+              </a:rPr>
+              <a:t>autômatos</a:t>
+            </a:r>
+            <a:r>
+              <a:rPr lang="en-US" sz="2800" b="0" strike="noStrike" spc="-1" dirty="0">
+                <a:solidFill>
+                  <a:srgbClr val="000000"/>
+                </a:solidFill>
+                <a:latin typeface="Calibri"/>
+              </a:rPr>
+              <a:t> </a:t>
             </a:r>
           </a:p>
           <a:p>
@@ -10342,7 +10557,7 @@
                 <a:spcPts val="641"/>
               </a:spcBef>
             </a:pPr>
-            <a:endParaRPr lang="en-US" sz="2800" b="0" strike="noStrike" spc="-1">
+            <a:endParaRPr lang="en-US" sz="2800" b="0" strike="noStrike" spc="-1" dirty="0">
               <a:solidFill>
                 <a:srgbClr val="000000"/>
               </a:solidFill>
@@ -19858,130 +20073,6 @@
       </p:sp>
       <p:sp>
         <p:nvSpPr>
-          <p:cNvPr id="358" name="TextShape 2"/>
-          <p:cNvSpPr txBox="1"/>
-          <p:nvPr/>
-        </p:nvSpPr>
-        <p:spPr>
-          <a:xfrm>
-            <a:off x="5000760" y="2286000"/>
-            <a:ext cx="5638320" cy="3876480"/>
-          </a:xfrm>
-          <a:prstGeom prst="rect">
-            <a:avLst/>
-          </a:prstGeom>
-          <a:noFill/>
-          <a:ln>
-            <a:noFill/>
-          </a:ln>
-        </p:spPr>
-        <p:txBody>
-          <a:bodyPr>
-            <a:normAutofit/>
-          </a:bodyPr>
-          <a:lstStyle/>
-          <a:p>
-            <a:pPr marL="343080" indent="-342720">
-              <a:lnSpc>
-                <a:spcPct val="100000"/>
-              </a:lnSpc>
-              <a:spcBef>
-                <a:spcPts val="641"/>
-              </a:spcBef>
-            </a:pPr>
-            <a:r>
-              <a:rPr lang="en-US" sz="3200" b="0" strike="noStrike" spc="-1">
-                <a:solidFill>
-                  <a:srgbClr val="000000"/>
-                </a:solidFill>
-                <a:latin typeface="Courier New"/>
-                <a:ea typeface="ＭＳ Ｐゴシック"/>
-              </a:rPr>
-              <a:t>	</a:t>
-            </a:r>
-            <a:endParaRPr lang="en-US" sz="3200" b="0" strike="noStrike" spc="-1">
-              <a:solidFill>
-                <a:srgbClr val="000000"/>
-              </a:solidFill>
-              <a:latin typeface="Calibri"/>
-            </a:endParaRPr>
-          </a:p>
-          <a:p>
-            <a:pPr marL="343080" indent="-342720">
-              <a:lnSpc>
-                <a:spcPct val="100000"/>
-              </a:lnSpc>
-              <a:spcBef>
-                <a:spcPts val="641"/>
-              </a:spcBef>
-            </a:pPr>
-            <a:endParaRPr lang="en-US" sz="3200" b="0" strike="noStrike" spc="-1">
-              <a:solidFill>
-                <a:srgbClr val="000000"/>
-              </a:solidFill>
-              <a:latin typeface="Calibri"/>
-            </a:endParaRPr>
-          </a:p>
-          <a:p>
-            <a:pPr marL="343080" indent="-342720">
-              <a:lnSpc>
-                <a:spcPct val="100000"/>
-              </a:lnSpc>
-              <a:spcBef>
-                <a:spcPts val="641"/>
-              </a:spcBef>
-            </a:pPr>
-            <a:endParaRPr lang="en-US" sz="3200" b="0" strike="noStrike" spc="-1">
-              <a:solidFill>
-                <a:srgbClr val="000000"/>
-              </a:solidFill>
-              <a:latin typeface="Calibri"/>
-            </a:endParaRPr>
-          </a:p>
-          <a:p>
-            <a:pPr marL="343080" indent="-342720">
-              <a:lnSpc>
-                <a:spcPct val="100000"/>
-              </a:lnSpc>
-              <a:spcBef>
-                <a:spcPts val="641"/>
-              </a:spcBef>
-            </a:pPr>
-            <a:endParaRPr lang="en-US" sz="3200" b="0" strike="noStrike" spc="-1">
-              <a:solidFill>
-                <a:srgbClr val="000000"/>
-              </a:solidFill>
-              <a:latin typeface="Calibri"/>
-            </a:endParaRPr>
-          </a:p>
-          <a:p>
-            <a:pPr marL="343080" indent="-342720">
-              <a:lnSpc>
-                <a:spcPct val="100000"/>
-              </a:lnSpc>
-              <a:spcBef>
-                <a:spcPts val="641"/>
-              </a:spcBef>
-            </a:pPr>
-            <a:r>
-              <a:t/>
-            </a:r>
-            <a:br/>
-            <a:r>
-              <a:t/>
-            </a:r>
-            <a:br/>
-            <a:endParaRPr lang="en-US" sz="3200" b="0" strike="noStrike" spc="-1">
-              <a:solidFill>
-                <a:srgbClr val="000000"/>
-              </a:solidFill>
-              <a:latin typeface="Calibri"/>
-            </a:endParaRPr>
-          </a:p>
-        </p:txBody>
-      </p:sp>
-      <p:sp>
-        <p:nvSpPr>
           <p:cNvPr id="359" name="CustomShape 3"/>
           <p:cNvSpPr/>
           <p:nvPr/>
@@ -20057,58 +20148,87 @@
               </a:lnSpc>
             </a:pPr>
             <a:r>
-              <a:rPr lang="en-US" sz="2400" b="0" strike="noStrike" spc="-1">
+              <a:rPr lang="en-US" sz="2400" b="0" strike="noStrike" spc="-1" dirty="0">
                 <a:solidFill>
                   <a:srgbClr val="000000"/>
                 </a:solidFill>
                 <a:latin typeface="Courier New"/>
                 <a:ea typeface="ＭＳ Ｐゴシック"/>
               </a:rPr>
-              <a:t>t1 = inttofloat(60)</a:t>
-            </a:r>
-            <a:r>
-              <a:t/>
-            </a:r>
-            <a:br/>
-            <a:r>
-              <a:rPr lang="en-US" sz="2400" b="0" strike="noStrike" spc="-1">
+              <a:t>t1 = </a:t>
+            </a:r>
+            <a:r>
+              <a:rPr lang="en-US" sz="2400" b="0" strike="noStrike" spc="-1" dirty="0" err="1">
                 <a:solidFill>
                   <a:srgbClr val="000000"/>
                 </a:solidFill>
                 <a:latin typeface="Courier New"/>
                 <a:ea typeface="ＭＳ Ｐゴシック"/>
               </a:rPr>
-              <a:t>t2 = id3 * t1</a:t>
-            </a:r>
-            <a:r>
-              <a:t/>
-            </a:r>
-            <a:br/>
-            <a:r>
-              <a:rPr lang="en-US" sz="2400" b="0" strike="noStrike" spc="-1">
+              <a:t>inttofloat</a:t>
+            </a:r>
+            <a:r>
+              <a:rPr lang="en-US" sz="2400" b="0" strike="noStrike" spc="-1" dirty="0">
                 <a:solidFill>
                   <a:srgbClr val="000000"/>
                 </a:solidFill>
                 <a:latin typeface="Courier New"/>
                 <a:ea typeface="ＭＳ Ｐゴシック"/>
               </a:rPr>
-              <a:t>t3 = id2 + t2</a:t>
-            </a:r>
-            <a:r>
+              <a:t>(60)</a:t>
+            </a:r>
+            <a:r>
+              <a:rPr dirty="0"/>
               <a:t/>
             </a:r>
-            <a:br/>
-            <a:r>
-              <a:rPr lang="en-US" sz="2400" b="0" strike="noStrike" spc="-1">
+            <a:br>
+              <a:rPr dirty="0"/>
+            </a:br>
+            <a:r>
+              <a:rPr lang="en-US" sz="2400" b="0" strike="noStrike" spc="-1" dirty="0">
                 <a:solidFill>
                   <a:srgbClr val="000000"/>
                 </a:solidFill>
                 <a:latin typeface="Courier New"/>
                 <a:ea typeface="ＭＳ Ｐゴシック"/>
               </a:rPr>
+              <a:t>t2 = id3 * t1</a:t>
+            </a:r>
+            <a:r>
+              <a:rPr dirty="0"/>
+              <a:t/>
+            </a:r>
+            <a:br>
+              <a:rPr dirty="0"/>
+            </a:br>
+            <a:r>
+              <a:rPr lang="en-US" sz="2400" b="0" strike="noStrike" spc="-1" dirty="0">
+                <a:solidFill>
+                  <a:srgbClr val="000000"/>
+                </a:solidFill>
+                <a:latin typeface="Courier New"/>
+                <a:ea typeface="ＭＳ Ｐゴシック"/>
+              </a:rPr>
+              <a:t>t3 = id2 + t2</a:t>
+            </a:r>
+            <a:r>
+              <a:rPr dirty="0"/>
+              <a:t/>
+            </a:r>
+            <a:br>
+              <a:rPr dirty="0"/>
+            </a:br>
+            <a:r>
+              <a:rPr lang="en-US" sz="2400" b="0" strike="noStrike" spc="-1" dirty="0">
+                <a:solidFill>
+                  <a:srgbClr val="000000"/>
+                </a:solidFill>
+                <a:latin typeface="Courier New"/>
+                <a:ea typeface="ＭＳ Ｐゴシック"/>
+              </a:rPr>
               <a:t>id1 = t3</a:t>
             </a:r>
-            <a:endParaRPr lang="en-US" sz="2400" b="0" strike="noStrike" spc="-1">
+            <a:endParaRPr lang="en-US" sz="2400" b="0" strike="noStrike" spc="-1" dirty="0">
               <a:latin typeface="Arial"/>
             </a:endParaRPr>
           </a:p>
@@ -20123,7 +20243,7 @@
         <p:spPr>
           <a:xfrm>
             <a:off x="1857240" y="4714920"/>
-            <a:ext cx="2928600" cy="821880"/>
+            <a:ext cx="2928600" cy="1234360"/>
           </a:xfrm>
           <a:prstGeom prst="rect">
             <a:avLst/>
@@ -20154,7 +20274,7 @@
               </a:lnSpc>
             </a:pPr>
             <a:r>
-              <a:rPr lang="en-US" sz="2400" b="0" strike="noStrike" spc="-1">
+              <a:rPr lang="en-US" sz="2400" b="0" strike="noStrike" spc="-1" dirty="0">
                 <a:solidFill>
                   <a:srgbClr val="000000"/>
                 </a:solidFill>
@@ -20164,20 +20284,98 @@
               <a:t>t2 = id3 * 60.0</a:t>
             </a:r>
             <a:r>
+              <a:rPr dirty="0"/>
               <a:t/>
             </a:r>
-            <a:br/>
-            <a:r>
-              <a:rPr lang="en-US" sz="2400" b="0" strike="noStrike" spc="-1">
+            <a:br>
+              <a:rPr dirty="0"/>
+            </a:br>
+            <a:r>
+              <a:rPr lang="en-US" sz="2400" b="0" strike="noStrike" spc="-1" dirty="0" smtClean="0">
                 <a:solidFill>
                   <a:srgbClr val="000000"/>
                 </a:solidFill>
                 <a:latin typeface="Courier New"/>
                 <a:ea typeface="ＭＳ Ｐゴシック"/>
               </a:rPr>
-              <a:t>id1 = id2 + t2</a:t>
-            </a:r>
-            <a:endParaRPr lang="en-US" sz="2400" b="0" strike="noStrike" spc="-1">
+              <a:t>t3 </a:t>
+            </a:r>
+            <a:r>
+              <a:rPr lang="en-US" sz="2400" b="0" strike="noStrike" spc="-1" dirty="0">
+                <a:solidFill>
+                  <a:srgbClr val="000000"/>
+                </a:solidFill>
+                <a:latin typeface="Courier New"/>
+                <a:ea typeface="ＭＳ Ｐゴシック"/>
+              </a:rPr>
+              <a:t>= id2 + </a:t>
+            </a:r>
+            <a:r>
+              <a:rPr lang="en-US" sz="2400" b="0" strike="noStrike" spc="-1" dirty="0" smtClean="0">
+                <a:solidFill>
+                  <a:srgbClr val="000000"/>
+                </a:solidFill>
+                <a:latin typeface="Courier New"/>
+                <a:ea typeface="ＭＳ Ｐゴシック"/>
+              </a:rPr>
+              <a:t>t2</a:t>
+            </a:r>
+          </a:p>
+          <a:p>
+            <a:pPr>
+              <a:lnSpc>
+                <a:spcPct val="100000"/>
+              </a:lnSpc>
+            </a:pPr>
+            <a:r>
+              <a:rPr lang="en-US" sz="2400" spc="-1" dirty="0">
+                <a:solidFill>
+                  <a:srgbClr val="000000"/>
+                </a:solidFill>
+                <a:latin typeface="Courier New"/>
+                <a:ea typeface="ＭＳ Ｐゴシック"/>
+              </a:rPr>
+              <a:t>id1 = </a:t>
+            </a:r>
+            <a:r>
+              <a:rPr lang="en-US" sz="2400" spc="-1" dirty="0" smtClean="0">
+                <a:solidFill>
+                  <a:srgbClr val="000000"/>
+                </a:solidFill>
+                <a:latin typeface="Courier New"/>
+                <a:ea typeface="ＭＳ Ｐゴシック"/>
+              </a:rPr>
+              <a:t>t3</a:t>
+            </a:r>
+            <a:endParaRPr lang="en-US" sz="2400" b="0" strike="noStrike" spc="-1" dirty="0" smtClean="0">
+              <a:solidFill>
+                <a:srgbClr val="000000"/>
+              </a:solidFill>
+              <a:latin typeface="Courier New"/>
+              <a:ea typeface="ＭＳ Ｐゴシック"/>
+            </a:endParaRPr>
+          </a:p>
+          <a:p>
+            <a:pPr>
+              <a:lnSpc>
+                <a:spcPct val="100000"/>
+              </a:lnSpc>
+            </a:pPr>
+            <a:endParaRPr lang="en-US" sz="2400" b="0" strike="noStrike" spc="-1" dirty="0" smtClean="0">
+              <a:solidFill>
+                <a:srgbClr val="000000"/>
+              </a:solidFill>
+              <a:latin typeface="Courier New"/>
+              <a:ea typeface="ＭＳ Ｐゴシック"/>
+            </a:endParaRPr>
+          </a:p>
+          <a:p>
+            <a:pPr>
+              <a:lnSpc>
+                <a:spcPct val="100000"/>
+              </a:lnSpc>
+            </a:pPr>
+            <a:endParaRPr lang="en-US" sz="2400" b="0" strike="noStrike" spc="-1" dirty="0">
               <a:latin typeface="Arial"/>
             </a:endParaRPr>
           </a:p>
@@ -20472,7 +20670,7 @@
         </p:nvSpPr>
         <p:spPr>
           <a:xfrm>
-            <a:off x="4786200" y="3114720"/>
+            <a:off x="683568" y="3016045"/>
             <a:ext cx="2928600" cy="821880"/>
           </a:xfrm>
           <a:prstGeom prst="rect">
@@ -20507,7 +20705,7 @@
               </a:lnSpc>
             </a:pPr>
             <a:r>
-              <a:rPr lang="en-US" sz="2400" b="0" strike="noStrike" spc="-1">
+              <a:rPr lang="en-US" sz="2400" b="0" strike="noStrike" spc="-1" dirty="0">
                 <a:solidFill>
                   <a:srgbClr val="000000"/>
                 </a:solidFill>
@@ -20517,11 +20715,14 @@
               <a:t>t2 = id3 * 60.0</a:t>
             </a:r>
             <a:r>
+              <a:rPr dirty="0"/>
               <a:t/>
             </a:r>
-            <a:br/>
-            <a:r>
-              <a:rPr lang="en-US" sz="2400" b="0" strike="noStrike" spc="-1">
+            <a:br>
+              <a:rPr dirty="0"/>
+            </a:br>
+            <a:r>
+              <a:rPr lang="en-US" sz="2400" b="0" strike="noStrike" spc="-1" dirty="0">
                 <a:solidFill>
                   <a:srgbClr val="000000"/>
                 </a:solidFill>
@@ -20530,7 +20731,7 @@
               </a:rPr>
               <a:t>id1 = id2 + t2</a:t>
             </a:r>
-            <a:endParaRPr lang="en-US" sz="2400" b="0" strike="noStrike" spc="-1">
+            <a:endParaRPr lang="en-US" sz="2400" b="0" strike="noStrike" spc="-1" dirty="0">
               <a:latin typeface="Arial"/>
             </a:endParaRPr>
           </a:p>
@@ -20609,19 +20810,192 @@
           </a:p>
         </p:txBody>
       </p:sp>
-      <p:sp>
-        <p:nvSpPr>
-          <p:cNvPr id="367" name="CustomShape 6"/>
+      <p:grpSp>
+        <p:nvGrpSpPr>
+          <p:cNvPr id="2" name="Grupo 1"/>
+          <p:cNvGrpSpPr/>
+          <p:nvPr/>
+        </p:nvGrpSpPr>
+        <p:grpSpPr>
+          <a:xfrm>
+            <a:off x="5868144" y="2636912"/>
+            <a:ext cx="792088" cy="1293772"/>
+            <a:chOff x="1785960" y="3257640"/>
+            <a:chExt cx="285480" cy="514080"/>
+          </a:xfrm>
+        </p:grpSpPr>
+        <p:sp>
+          <p:nvSpPr>
+            <p:cNvPr id="367" name="CustomShape 6"/>
+            <p:cNvSpPr/>
+            <p:nvPr/>
+          </p:nvSpPr>
+          <p:spPr>
+            <a:xfrm>
+              <a:off x="1785960" y="3257640"/>
+              <a:ext cx="114120" cy="114120"/>
+            </a:xfrm>
+            <a:prstGeom prst="ellipse">
+              <a:avLst/>
+            </a:prstGeom>
+            <a:ln>
+              <a:round/>
+            </a:ln>
+          </p:spPr>
+          <p:style>
+            <a:lnRef idx="2">
+              <a:schemeClr val="dk1"/>
+            </a:lnRef>
+            <a:fillRef idx="1">
+              <a:schemeClr val="lt1"/>
+            </a:fillRef>
+            <a:effectRef idx="0">
+              <a:schemeClr val="dk1"/>
+            </a:effectRef>
+            <a:fontRef idx="minor"/>
+          </p:style>
+        </p:sp>
+        <p:sp>
+          <p:nvSpPr>
+            <p:cNvPr id="368" name="CustomShape 7"/>
+            <p:cNvSpPr/>
+            <p:nvPr/>
+          </p:nvSpPr>
+          <p:spPr>
+            <a:xfrm>
+              <a:off x="1957320" y="3486240"/>
+              <a:ext cx="114120" cy="114120"/>
+            </a:xfrm>
+            <a:prstGeom prst="ellipse">
+              <a:avLst/>
+            </a:prstGeom>
+            <a:ln>
+              <a:round/>
+            </a:ln>
+          </p:spPr>
+          <p:style>
+            <a:lnRef idx="2">
+              <a:schemeClr val="dk1"/>
+            </a:lnRef>
+            <a:fillRef idx="1">
+              <a:schemeClr val="lt1"/>
+            </a:fillRef>
+            <a:effectRef idx="0">
+              <a:schemeClr val="dk1"/>
+            </a:effectRef>
+            <a:fontRef idx="minor"/>
+          </p:style>
+        </p:sp>
+        <p:sp>
+          <p:nvSpPr>
+            <p:cNvPr id="369" name="Line 8"/>
+            <p:cNvSpPr/>
+            <p:nvPr/>
+          </p:nvSpPr>
+          <p:spPr>
+            <a:xfrm>
+              <a:off x="1883160" y="3354840"/>
+              <a:ext cx="90720" cy="147960"/>
+            </a:xfrm>
+            <a:prstGeom prst="line">
+              <a:avLst/>
+            </a:prstGeom>
+            <a:ln>
+              <a:round/>
+            </a:ln>
+          </p:spPr>
+          <p:style>
+            <a:lnRef idx="2">
+              <a:schemeClr val="dk1"/>
+            </a:lnRef>
+            <a:fillRef idx="1">
+              <a:schemeClr val="lt1"/>
+            </a:fillRef>
+            <a:effectRef idx="0">
+              <a:schemeClr val="dk1"/>
+            </a:effectRef>
+            <a:fontRef idx="minor"/>
+          </p:style>
+        </p:sp>
+        <p:sp>
+          <p:nvSpPr>
+            <p:cNvPr id="370" name="CustomShape 9"/>
+            <p:cNvSpPr/>
+            <p:nvPr/>
+          </p:nvSpPr>
+          <p:spPr>
+            <a:xfrm>
+              <a:off x="1785960" y="3657600"/>
+              <a:ext cx="114120" cy="114120"/>
+            </a:xfrm>
+            <a:prstGeom prst="ellipse">
+              <a:avLst/>
+            </a:prstGeom>
+            <a:ln>
+              <a:round/>
+            </a:ln>
+          </p:spPr>
+          <p:style>
+            <a:lnRef idx="2">
+              <a:schemeClr val="dk1"/>
+            </a:lnRef>
+            <a:fillRef idx="1">
+              <a:schemeClr val="lt1"/>
+            </a:fillRef>
+            <a:effectRef idx="0">
+              <a:schemeClr val="dk1"/>
+            </a:effectRef>
+            <a:fontRef idx="minor"/>
+          </p:style>
+        </p:sp>
+        <p:sp>
+          <p:nvSpPr>
+            <p:cNvPr id="371" name="Line 10"/>
+            <p:cNvSpPr/>
+            <p:nvPr/>
+          </p:nvSpPr>
+          <p:spPr>
+            <a:xfrm flipH="1">
+              <a:off x="1883160" y="3583440"/>
+              <a:ext cx="90720" cy="90720"/>
+            </a:xfrm>
+            <a:prstGeom prst="line">
+              <a:avLst/>
+            </a:prstGeom>
+            <a:ln>
+              <a:round/>
+            </a:ln>
+          </p:spPr>
+          <p:style>
+            <a:lnRef idx="2">
+              <a:schemeClr val="dk1"/>
+            </a:lnRef>
+            <a:fillRef idx="1">
+              <a:schemeClr val="lt1"/>
+            </a:fillRef>
+            <a:effectRef idx="0">
+              <a:schemeClr val="dk1"/>
+            </a:effectRef>
+            <a:fontRef idx="minor"/>
+          </p:style>
+        </p:sp>
+      </p:grpSp>
+      <p:sp>
+        <p:nvSpPr>
+          <p:cNvPr id="372" name="CustomShape 11"/>
           <p:cNvSpPr/>
           <p:nvPr/>
         </p:nvSpPr>
         <p:spPr>
           <a:xfrm>
-            <a:off x="1785960" y="3257640"/>
-            <a:ext cx="114120" cy="114120"/>
-          </a:xfrm>
-          <a:prstGeom prst="ellipse">
-            <a:avLst/>
+            <a:off x="3500280" y="5186520"/>
+            <a:ext cx="356760" cy="213840"/>
+          </a:xfrm>
+          <a:prstGeom prst="rightArrow">
+            <a:avLst>
+              <a:gd name="adj1" fmla="val 50000"/>
+              <a:gd name="adj2" fmla="val 50000"/>
+            </a:avLst>
           </a:prstGeom>
           <a:ln>
             <a:round/>
@@ -20642,17 +21016,20 @@
       </p:sp>
       <p:sp>
         <p:nvSpPr>
-          <p:cNvPr id="368" name="CustomShape 7"/>
+          <p:cNvPr id="373" name="CustomShape 12"/>
           <p:cNvSpPr/>
           <p:nvPr/>
         </p:nvSpPr>
         <p:spPr>
-          <a:xfrm>
-            <a:off x="1957320" y="3486240"/>
-            <a:ext cx="114120" cy="114120"/>
-          </a:xfrm>
-          <a:prstGeom prst="ellipse">
-            <a:avLst/>
+          <a:xfrm flipH="1">
+            <a:off x="5057404" y="3254172"/>
+            <a:ext cx="356760" cy="213840"/>
+          </a:xfrm>
+          <a:prstGeom prst="rightArrow">
+            <a:avLst>
+              <a:gd name="adj1" fmla="val 50000"/>
+              <a:gd name="adj2" fmla="val 50000"/>
+            </a:avLst>
           </a:prstGeom>
           <a:ln>
             <a:round/>
@@ -20673,17 +21050,20 @@
       </p:sp>
       <p:sp>
         <p:nvSpPr>
-          <p:cNvPr id="369" name="Line 8"/>
+          <p:cNvPr id="374" name="CustomShape 13"/>
           <p:cNvSpPr/>
           <p:nvPr/>
         </p:nvSpPr>
         <p:spPr>
-          <a:xfrm>
-            <a:off x="1883160" y="3354840"/>
-            <a:ext cx="90720" cy="147960"/>
-          </a:xfrm>
-          <a:prstGeom prst="line">
-            <a:avLst/>
+          <a:xfrm flipH="1">
+            <a:off x="3771484" y="3254172"/>
+            <a:ext cx="356760" cy="213840"/>
+          </a:xfrm>
+          <a:prstGeom prst="rightArrow">
+            <a:avLst>
+              <a:gd name="adj1" fmla="val 50000"/>
+              <a:gd name="adj2" fmla="val 50000"/>
+            </a:avLst>
           </a:prstGeom>
           <a:ln>
             <a:round/>
@@ -20704,20 +21084,20 @@
       </p:sp>
       <p:sp>
         <p:nvSpPr>
-          <p:cNvPr id="370" name="CustomShape 9"/>
+          <p:cNvPr id="375" name="CustomShape 14"/>
           <p:cNvSpPr/>
           <p:nvPr/>
         </p:nvSpPr>
         <p:spPr>
           <a:xfrm>
-            <a:off x="1785960" y="3657600"/>
-            <a:ext cx="114120" cy="114120"/>
-          </a:xfrm>
-          <a:prstGeom prst="ellipse">
+            <a:off x="4430644" y="3170292"/>
+            <a:ext cx="354960" cy="364680"/>
+          </a:xfrm>
+          <a:prstGeom prst="rect">
             <a:avLst/>
           </a:prstGeom>
           <a:ln>
-            <a:round/>
+            <a:noFill/>
           </a:ln>
         </p:spPr>
         <p:style>
@@ -20732,170 +21112,6 @@
           </a:effectRef>
           <a:fontRef idx="minor"/>
         </p:style>
-      </p:sp>
-      <p:sp>
-        <p:nvSpPr>
-          <p:cNvPr id="371" name="Line 10"/>
-          <p:cNvSpPr/>
-          <p:nvPr/>
-        </p:nvSpPr>
-        <p:spPr>
-          <a:xfrm flipH="1">
-            <a:off x="1883160" y="3583440"/>
-            <a:ext cx="90720" cy="90720"/>
-          </a:xfrm>
-          <a:prstGeom prst="line">
-            <a:avLst/>
-          </a:prstGeom>
-          <a:ln>
-            <a:round/>
-          </a:ln>
-        </p:spPr>
-        <p:style>
-          <a:lnRef idx="2">
-            <a:schemeClr val="dk1"/>
-          </a:lnRef>
-          <a:fillRef idx="1">
-            <a:schemeClr val="lt1"/>
-          </a:fillRef>
-          <a:effectRef idx="0">
-            <a:schemeClr val="dk1"/>
-          </a:effectRef>
-          <a:fontRef idx="minor"/>
-        </p:style>
-      </p:sp>
-      <p:sp>
-        <p:nvSpPr>
-          <p:cNvPr id="372" name="CustomShape 11"/>
-          <p:cNvSpPr/>
-          <p:nvPr/>
-        </p:nvSpPr>
-        <p:spPr>
-          <a:xfrm>
-            <a:off x="3500280" y="5186520"/>
-            <a:ext cx="356760" cy="213840"/>
-          </a:xfrm>
-          <a:prstGeom prst="rightArrow">
-            <a:avLst>
-              <a:gd name="adj1" fmla="val 50000"/>
-              <a:gd name="adj2" fmla="val 50000"/>
-            </a:avLst>
-          </a:prstGeom>
-          <a:ln>
-            <a:round/>
-          </a:ln>
-        </p:spPr>
-        <p:style>
-          <a:lnRef idx="2">
-            <a:schemeClr val="dk1"/>
-          </a:lnRef>
-          <a:fillRef idx="1">
-            <a:schemeClr val="lt1"/>
-          </a:fillRef>
-          <a:effectRef idx="0">
-            <a:schemeClr val="dk1"/>
-          </a:effectRef>
-          <a:fontRef idx="minor"/>
-        </p:style>
-      </p:sp>
-      <p:sp>
-        <p:nvSpPr>
-          <p:cNvPr id="373" name="CustomShape 12"/>
-          <p:cNvSpPr/>
-          <p:nvPr/>
-        </p:nvSpPr>
-        <p:spPr>
-          <a:xfrm flipH="1">
-            <a:off x="3785400" y="3400560"/>
-            <a:ext cx="356760" cy="213840"/>
-          </a:xfrm>
-          <a:prstGeom prst="rightArrow">
-            <a:avLst>
-              <a:gd name="adj1" fmla="val 50000"/>
-              <a:gd name="adj2" fmla="val 50000"/>
-            </a:avLst>
-          </a:prstGeom>
-          <a:ln>
-            <a:round/>
-          </a:ln>
-        </p:spPr>
-        <p:style>
-          <a:lnRef idx="2">
-            <a:schemeClr val="dk1"/>
-          </a:lnRef>
-          <a:fillRef idx="1">
-            <a:schemeClr val="lt1"/>
-          </a:fillRef>
-          <a:effectRef idx="0">
-            <a:schemeClr val="dk1"/>
-          </a:effectRef>
-          <a:fontRef idx="minor"/>
-        </p:style>
-      </p:sp>
-      <p:sp>
-        <p:nvSpPr>
-          <p:cNvPr id="374" name="CustomShape 13"/>
-          <p:cNvSpPr/>
-          <p:nvPr/>
-        </p:nvSpPr>
-        <p:spPr>
-          <a:xfrm flipH="1">
-            <a:off x="2499480" y="3400560"/>
-            <a:ext cx="356760" cy="213840"/>
-          </a:xfrm>
-          <a:prstGeom prst="rightArrow">
-            <a:avLst>
-              <a:gd name="adj1" fmla="val 50000"/>
-              <a:gd name="adj2" fmla="val 50000"/>
-            </a:avLst>
-          </a:prstGeom>
-          <a:ln>
-            <a:round/>
-          </a:ln>
-        </p:spPr>
-        <p:style>
-          <a:lnRef idx="2">
-            <a:schemeClr val="dk1"/>
-          </a:lnRef>
-          <a:fillRef idx="1">
-            <a:schemeClr val="lt1"/>
-          </a:fillRef>
-          <a:effectRef idx="0">
-            <a:schemeClr val="dk1"/>
-          </a:effectRef>
-          <a:fontRef idx="minor"/>
-        </p:style>
-      </p:sp>
-      <p:sp>
-        <p:nvSpPr>
-          <p:cNvPr id="375" name="CustomShape 14"/>
-          <p:cNvSpPr/>
-          <p:nvPr/>
-        </p:nvSpPr>
-        <p:spPr>
-          <a:xfrm>
-            <a:off x="3158640" y="3316680"/>
-            <a:ext cx="354960" cy="364680"/>
-          </a:xfrm>
-          <a:prstGeom prst="rect">
-            <a:avLst/>
-          </a:prstGeom>
-          <a:ln>
-            <a:noFill/>
-          </a:ln>
-        </p:spPr>
-        <p:style>
-          <a:lnRef idx="2">
-            <a:schemeClr val="dk1"/>
-          </a:lnRef>
-          <a:fillRef idx="1">
-            <a:schemeClr val="lt1"/>
-          </a:fillRef>
-          <a:effectRef idx="0">
-            <a:schemeClr val="dk1"/>
-          </a:effectRef>
-          <a:fontRef idx="minor"/>
-        </p:style>
         <p:txBody>
           <a:bodyPr wrap="none" lIns="90000" tIns="45000" rIns="90000" bIns="45000"/>
           <a:lstStyle/>
@@ -20928,7 +21144,7 @@
         </p:nvSpPr>
         <p:spPr>
           <a:xfrm rot="16200000" flipH="1">
-            <a:off x="1714320" y="4186440"/>
+            <a:off x="1910436" y="4186440"/>
             <a:ext cx="356760" cy="213840"/>
           </a:xfrm>
           <a:prstGeom prst="rightArrow">

--- a/slides-aulas/intro.pptx
+++ b/slides-aulas/intro.pptx
@@ -4026,7 +4026,7 @@
                 </a:solidFill>
                 <a:latin typeface="Calibri"/>
               </a:rPr>
-              <a:t>2/25/2019</a:t>
+              <a:t>8/13/2019</a:t>
             </a:fld>
             <a:endParaRPr lang="en-US" sz="1200" b="0" strike="noStrike" spc="-1">
               <a:latin typeface="Times New Roman"/>
@@ -4375,7 +4375,7 @@
                 </a:solidFill>
                 <a:latin typeface="Calibri"/>
               </a:rPr>
-              <a:t>2/25/2019</a:t>
+              <a:t>8/13/2019</a:t>
             </a:fld>
             <a:endParaRPr lang="en-US" sz="1200" b="0" strike="noStrike" spc="-1">
               <a:latin typeface="Times New Roman"/>
